--- a/いらすとやうぉーず/03_アピールポイント/シューティングゲームアピール.pptx
+++ b/いらすとやうぉーず/03_アピールポイント/シューティングゲームアピール.pptx
@@ -243,7 +243,7 @@
           <a:p>
             <a:fld id="{947524BD-496F-41BB-82A2-1B4013439DFF}" type="datetimeFigureOut">
               <a:rPr kumimoji="1" lang="ja-JP" altLang="en-US" smtClean="0"/>
-              <a:t>2021/4/6</a:t>
+              <a:t>2021/4/9</a:t>
             </a:fld>
             <a:endParaRPr kumimoji="1" lang="ja-JP" altLang="en-US" dirty="0"/>
           </a:p>
@@ -445,7 +445,7 @@
           <a:p>
             <a:fld id="{947524BD-496F-41BB-82A2-1B4013439DFF}" type="datetimeFigureOut">
               <a:rPr kumimoji="1" lang="ja-JP" altLang="en-US" smtClean="0"/>
-              <a:t>2021/4/6</a:t>
+              <a:t>2021/4/9</a:t>
             </a:fld>
             <a:endParaRPr kumimoji="1" lang="ja-JP" altLang="en-US" dirty="0"/>
           </a:p>
@@ -657,7 +657,7 @@
           <a:p>
             <a:fld id="{947524BD-496F-41BB-82A2-1B4013439DFF}" type="datetimeFigureOut">
               <a:rPr kumimoji="1" lang="ja-JP" altLang="en-US" smtClean="0"/>
-              <a:t>2021/4/6</a:t>
+              <a:t>2021/4/9</a:t>
             </a:fld>
             <a:endParaRPr kumimoji="1" lang="ja-JP" altLang="en-US" dirty="0"/>
           </a:p>
@@ -859,7 +859,7 @@
           <a:p>
             <a:fld id="{947524BD-496F-41BB-82A2-1B4013439DFF}" type="datetimeFigureOut">
               <a:rPr kumimoji="1" lang="ja-JP" altLang="en-US" smtClean="0"/>
-              <a:t>2021/4/6</a:t>
+              <a:t>2021/4/9</a:t>
             </a:fld>
             <a:endParaRPr kumimoji="1" lang="ja-JP" altLang="en-US" dirty="0"/>
           </a:p>
@@ -1105,7 +1105,7 @@
           <a:p>
             <a:fld id="{947524BD-496F-41BB-82A2-1B4013439DFF}" type="datetimeFigureOut">
               <a:rPr kumimoji="1" lang="ja-JP" altLang="en-US" smtClean="0"/>
-              <a:t>2021/4/6</a:t>
+              <a:t>2021/4/9</a:t>
             </a:fld>
             <a:endParaRPr kumimoji="1" lang="ja-JP" altLang="en-US" dirty="0"/>
           </a:p>
@@ -1401,7 +1401,7 @@
           <a:p>
             <a:fld id="{947524BD-496F-41BB-82A2-1B4013439DFF}" type="datetimeFigureOut">
               <a:rPr kumimoji="1" lang="ja-JP" altLang="en-US" smtClean="0"/>
-              <a:t>2021/4/6</a:t>
+              <a:t>2021/4/9</a:t>
             </a:fld>
             <a:endParaRPr kumimoji="1" lang="ja-JP" altLang="en-US" dirty="0"/>
           </a:p>
@@ -1832,7 +1832,7 @@
           <a:p>
             <a:fld id="{947524BD-496F-41BB-82A2-1B4013439DFF}" type="datetimeFigureOut">
               <a:rPr kumimoji="1" lang="ja-JP" altLang="en-US" smtClean="0"/>
-              <a:t>2021/4/6</a:t>
+              <a:t>2021/4/9</a:t>
             </a:fld>
             <a:endParaRPr kumimoji="1" lang="ja-JP" altLang="en-US" dirty="0"/>
           </a:p>
@@ -1950,7 +1950,7 @@
           <a:p>
             <a:fld id="{947524BD-496F-41BB-82A2-1B4013439DFF}" type="datetimeFigureOut">
               <a:rPr kumimoji="1" lang="ja-JP" altLang="en-US" smtClean="0"/>
-              <a:t>2021/4/6</a:t>
+              <a:t>2021/4/9</a:t>
             </a:fld>
             <a:endParaRPr kumimoji="1" lang="ja-JP" altLang="en-US" dirty="0"/>
           </a:p>
@@ -2045,7 +2045,7 @@
           <a:p>
             <a:fld id="{947524BD-496F-41BB-82A2-1B4013439DFF}" type="datetimeFigureOut">
               <a:rPr kumimoji="1" lang="ja-JP" altLang="en-US" smtClean="0"/>
-              <a:t>2021/4/6</a:t>
+              <a:t>2021/4/9</a:t>
             </a:fld>
             <a:endParaRPr kumimoji="1" lang="ja-JP" altLang="en-US" dirty="0"/>
           </a:p>
@@ -2354,7 +2354,7 @@
           <a:p>
             <a:fld id="{947524BD-496F-41BB-82A2-1B4013439DFF}" type="datetimeFigureOut">
               <a:rPr kumimoji="1" lang="ja-JP" altLang="en-US" smtClean="0"/>
-              <a:t>2021/4/6</a:t>
+              <a:t>2021/4/9</a:t>
             </a:fld>
             <a:endParaRPr kumimoji="1" lang="ja-JP" altLang="en-US" dirty="0"/>
           </a:p>
@@ -2611,7 +2611,7 @@
           <a:p>
             <a:fld id="{947524BD-496F-41BB-82A2-1B4013439DFF}" type="datetimeFigureOut">
               <a:rPr kumimoji="1" lang="ja-JP" altLang="en-US" smtClean="0"/>
-              <a:t>2021/4/6</a:t>
+              <a:t>2021/4/9</a:t>
             </a:fld>
             <a:endParaRPr kumimoji="1" lang="ja-JP" altLang="en-US" dirty="0"/>
           </a:p>
@@ -2856,7 +2856,7 @@
           <a:p>
             <a:fld id="{947524BD-496F-41BB-82A2-1B4013439DFF}" type="datetimeFigureOut">
               <a:rPr kumimoji="1" lang="ja-JP" altLang="en-US" smtClean="0"/>
-              <a:t>2021/4/6</a:t>
+              <a:t>2021/4/9</a:t>
             </a:fld>
             <a:endParaRPr kumimoji="1" lang="ja-JP" altLang="en-US" dirty="0"/>
           </a:p>
@@ -3283,8 +3283,8 @@
         </p:blipFill>
         <p:spPr>
           <a:xfrm>
-            <a:off x="2531528" y="2627171"/>
-            <a:ext cx="12416594" cy="6966822"/>
+            <a:off x="77543" y="978478"/>
+            <a:ext cx="17836732" cy="10008005"/>
           </a:xfrm>
           <a:prstGeom prst="ellipse">
             <a:avLst/>
@@ -3319,7 +3319,7 @@
         </p:blipFill>
         <p:spPr>
           <a:xfrm rot="20897062">
-            <a:off x="17580676" y="2095243"/>
+            <a:off x="17211528" y="739991"/>
             <a:ext cx="3962605" cy="4267420"/>
           </a:xfrm>
           <a:prstGeom prst="rect">
@@ -3349,7 +3349,7 @@
         </p:blipFill>
         <p:spPr>
           <a:xfrm rot="20200869">
-            <a:off x="711345" y="6714033"/>
+            <a:off x="793726" y="6524103"/>
             <a:ext cx="6039757" cy="4864787"/>
           </a:xfrm>
           <a:prstGeom prst="rect">
@@ -3365,7 +3365,7 @@
         </p:nvSpPr>
         <p:spPr>
           <a:xfrm rot="21326518">
-            <a:off x="-231240" y="1189288"/>
+            <a:off x="55665" y="1085231"/>
             <a:ext cx="22414328" cy="2292935"/>
           </a:xfrm>
           <a:prstGeom prst="rect">
@@ -3409,7 +3409,7 @@
         </p:nvSpPr>
         <p:spPr>
           <a:xfrm rot="311399">
-            <a:off x="10217525" y="3247401"/>
+            <a:off x="11048854" y="3516605"/>
             <a:ext cx="8909944" cy="4939814"/>
           </a:xfrm>
           <a:prstGeom prst="rect">
@@ -3438,6 +3438,13 @@
                 <a:solidFill>
                   <a:srgbClr val="FF0000"/>
                 </a:solidFill>
+                <a:effectLst>
+                  <a:outerShdw blurRad="38100" dist="38100" dir="2700000" algn="tl">
+                    <a:srgbClr val="000000">
+                      <a:alpha val="43137"/>
+                    </a:srgbClr>
+                  </a:outerShdw>
+                </a:effectLst>
               </a:rPr>
               <a:t>マウス操作</a:t>
             </a:r>
@@ -3447,6 +3454,13 @@
                 <a:solidFill>
                   <a:srgbClr val="FF0000"/>
                 </a:solidFill>
+                <a:effectLst>
+                  <a:outerShdw blurRad="38100" dist="38100" dir="2700000" algn="tl">
+                    <a:srgbClr val="000000">
+                      <a:alpha val="43137"/>
+                    </a:srgbClr>
+                  </a:outerShdw>
+                </a:effectLst>
               </a:rPr>
               <a:t>で誰でも</a:t>
             </a:r>
@@ -3455,6 +3469,13 @@
               <a:solidFill>
                 <a:srgbClr val="FF0000"/>
               </a:solidFill>
+              <a:effectLst>
+                <a:outerShdw blurRad="38100" dist="38100" dir="2700000" algn="tl">
+                  <a:srgbClr val="000000">
+                    <a:alpha val="43137"/>
+                  </a:srgbClr>
+                </a:outerShdw>
+              </a:effectLst>
             </a:endParaRPr>
           </a:p>
           <a:p>
@@ -3464,6 +3485,13 @@
                 <a:solidFill>
                   <a:srgbClr val="FF0000"/>
                 </a:solidFill>
+                <a:effectLst>
+                  <a:outerShdw blurRad="38100" dist="38100" dir="2700000" algn="tl">
+                    <a:srgbClr val="000000">
+                      <a:alpha val="43137"/>
+                    </a:srgbClr>
+                  </a:outerShdw>
+                </a:effectLst>
               </a:rPr>
               <a:t>できる！！</a:t>
             </a:r>
@@ -3702,7 +3730,7 @@
         <p:spPr>
           <a:xfrm>
             <a:off x="77544" y="40640"/>
-            <a:ext cx="13721910" cy="967829"/>
+            <a:ext cx="15787296" cy="967829"/>
           </a:xfrm>
           <a:prstGeom prst="rect">
             <a:avLst/>
@@ -3721,15 +3749,15 @@
             </a:r>
             <a:r>
               <a:rPr lang="ja-JP" altLang="en-US" sz="5689" dirty="0" smtClean="0"/>
-              <a:t>学科</a:t>
-            </a:r>
-            <a:r>
-              <a:rPr lang="en-US" altLang="ja-JP" sz="5689" dirty="0"/>
+              <a:t>学科　</a:t>
+            </a:r>
+            <a:r>
+              <a:rPr lang="en-US" altLang="ja-JP" sz="5689" dirty="0" smtClean="0"/>
               <a:t>3</a:t>
             </a:r>
             <a:r>
-              <a:rPr lang="ja-JP" altLang="en-US" sz="5689" smtClean="0"/>
-              <a:t>年西潟栞那汰</a:t>
+              <a:rPr lang="ja-JP" altLang="en-US" sz="5689" dirty="0" smtClean="0"/>
+              <a:t>年　西潟　栞那汰</a:t>
             </a:r>
             <a:endParaRPr lang="en-US" altLang="ja-JP" sz="5689" dirty="0"/>
           </a:p>
